--- a/Presentation.pptx
+++ b/Presentation.pptx
@@ -5993,19 +5993,19 @@
           <a:p>
             <a:r>
               <a:rPr lang="en-US" baseline="0" dirty="0" smtClean="0"/>
-              <a:t>With tools I learned in lectures, I cleaned up, performed Exploratory data analysis, visualized the data to further insights.</a:t>
+              <a:t>With tools I learned in lectures, I cleaned up, performed Exploratory data analysis, visualized the data for further insights.</a:t>
             </a:r>
           </a:p>
           <a:p>
             <a:r>
               <a:rPr lang="en-US" baseline="0" dirty="0" smtClean="0"/>
-              <a:t>I ended up filling in NA values and made a quick trend line to look at how number of shooting incidents trended over time</a:t>
+              <a:t>I ended up filling in NA values and made a quick trend line to look at how number of shooting incidents trended over time.</a:t>
             </a:r>
           </a:p>
           <a:p>
             <a:r>
               <a:rPr lang="en-US" baseline="0" dirty="0" smtClean="0"/>
-              <a:t>Also had a chance to break down the victim’s race </a:t>
+              <a:t>Also had a chance to break down the victim’s race in different counties</a:t>
             </a:r>
           </a:p>
         </p:txBody>
@@ -6117,7 +6117,7 @@
                 </a:solidFill>
                 <a:cs typeface="Arial" pitchFamily="34" charset="0"/>
               </a:rPr>
-              <a:t>Up until 2020, there was clearly downward movement to shooting incidents reported to NYPD.</a:t>
+              <a:t>Up until 2020, there was clearly downward movement to the number of shooting incidents reported to NYPD.</a:t>
             </a:r>
           </a:p>
           <a:p>
@@ -6148,7 +6148,7 @@
                 </a:solidFill>
                 <a:cs typeface="Arial" pitchFamily="34" charset="0"/>
               </a:rPr>
-              <a:t>Also another</a:t>
+              <a:t>The most interesting </a:t>
             </a:r>
             <a:r>
               <a:rPr lang="en-US" altLang="ko-KR" sz="1200" baseline="0" dirty="0" smtClean="0">
@@ -6160,7 +6160,7 @@
                 </a:solidFill>
                 <a:cs typeface="Arial" pitchFamily="34" charset="0"/>
               </a:rPr>
-              <a:t> interesting insight I found from this trend line is that there is seasonality in the reported shooting incident data.</a:t>
+              <a:t>insight I found from this trend line is that there is seasonality in the reported shooting incident data.</a:t>
             </a:r>
             <a:endParaRPr lang="en-US" altLang="ko-KR" sz="1200" dirty="0" smtClean="0">
               <a:solidFill>
@@ -6458,7 +6458,7 @@
           <a:p>
             <a:r>
               <a:rPr lang="en-US" baseline="0" dirty="0" smtClean="0"/>
-              <a:t>With further digging, Bronx and Brooklyn had higher black population compare to other two counties as well.</a:t>
+              <a:t>With further digging, I found out that Bronx and Brooklyn had higher black population compare to other two counties as well.</a:t>
             </a:r>
           </a:p>
           <a:p>
